--- a/manuscript/figures/flowchart_GIST.pptx
+++ b/manuscript/figures/flowchart_GIST.pptx
@@ -6666,9 +6666,7 @@
               </a:prstGeom>
               <a:noFill/>
               <a:ln>
-                <a:solidFill>
-                  <a:schemeClr val="tx1"/>
-                </a:solidFill>
+                <a:noFill/>
                 <a:prstDash val="dash"/>
               </a:ln>
             </p:spPr>
@@ -7660,13 +7658,11 @@
               <a:blipFill>
                 <a:blip r:embed="rId2"/>
                 <a:stretch>
-                  <a:fillRect/>
+                  <a:fillRect l="-276"/>
                 </a:stretch>
               </a:blipFill>
               <a:ln>
-                <a:solidFill>
-                  <a:schemeClr val="tx1"/>
-                </a:solidFill>
+                <a:noFill/>
                 <a:prstDash val="dash"/>
               </a:ln>
             </p:spPr>

--- a/manuscript/figures/flowchart_GIST.pptx
+++ b/manuscript/figures/flowchart_GIST.pptx
@@ -255,7 +255,7 @@
           <a:p>
             <a:fld id="{CE335E54-2A4B-4CD0-9488-F8D5DEC3B8E4}" type="datetimeFigureOut">
               <a:rPr lang="en-US" smtClean="0"/>
-              <a:t>5/19/2025</a:t>
+              <a:t>5/24/2025</a:t>
             </a:fld>
             <a:endParaRPr lang="en-US"/>
           </a:p>
@@ -297,7 +297,7 @@
           <a:p>
             <a:fld id="{A6E23FE4-E4CE-4C11-A4DD-B8B389B3DC1D}" type="slidenum">
               <a:rPr lang="en-US" smtClean="0"/>
-              <a:t>‹#›</a:t>
+              <a:t>‹Nr.›</a:t>
             </a:fld>
             <a:endParaRPr lang="en-US"/>
           </a:p>
@@ -425,7 +425,7 @@
           <a:p>
             <a:fld id="{CE335E54-2A4B-4CD0-9488-F8D5DEC3B8E4}" type="datetimeFigureOut">
               <a:rPr lang="en-US" smtClean="0"/>
-              <a:t>5/19/2025</a:t>
+              <a:t>5/24/2025</a:t>
             </a:fld>
             <a:endParaRPr lang="en-US"/>
           </a:p>
@@ -467,7 +467,7 @@
           <a:p>
             <a:fld id="{A6E23FE4-E4CE-4C11-A4DD-B8B389B3DC1D}" type="slidenum">
               <a:rPr lang="en-US" smtClean="0"/>
-              <a:t>‹#›</a:t>
+              <a:t>‹Nr.›</a:t>
             </a:fld>
             <a:endParaRPr lang="en-US"/>
           </a:p>
@@ -605,7 +605,7 @@
           <a:p>
             <a:fld id="{CE335E54-2A4B-4CD0-9488-F8D5DEC3B8E4}" type="datetimeFigureOut">
               <a:rPr lang="en-US" smtClean="0"/>
-              <a:t>5/19/2025</a:t>
+              <a:t>5/24/2025</a:t>
             </a:fld>
             <a:endParaRPr lang="en-US"/>
           </a:p>
@@ -647,7 +647,7 @@
           <a:p>
             <a:fld id="{A6E23FE4-E4CE-4C11-A4DD-B8B389B3DC1D}" type="slidenum">
               <a:rPr lang="en-US" smtClean="0"/>
-              <a:t>‹#›</a:t>
+              <a:t>‹Nr.›</a:t>
             </a:fld>
             <a:endParaRPr lang="en-US"/>
           </a:p>
@@ -775,7 +775,7 @@
           <a:p>
             <a:fld id="{CE335E54-2A4B-4CD0-9488-F8D5DEC3B8E4}" type="datetimeFigureOut">
               <a:rPr lang="en-US" smtClean="0"/>
-              <a:t>5/19/2025</a:t>
+              <a:t>5/24/2025</a:t>
             </a:fld>
             <a:endParaRPr lang="en-US"/>
           </a:p>
@@ -817,7 +817,7 @@
           <a:p>
             <a:fld id="{A6E23FE4-E4CE-4C11-A4DD-B8B389B3DC1D}" type="slidenum">
               <a:rPr lang="en-US" smtClean="0"/>
-              <a:t>‹#›</a:t>
+              <a:t>‹Nr.›</a:t>
             </a:fld>
             <a:endParaRPr lang="en-US"/>
           </a:p>
@@ -1021,7 +1021,7 @@
           <a:p>
             <a:fld id="{CE335E54-2A4B-4CD0-9488-F8D5DEC3B8E4}" type="datetimeFigureOut">
               <a:rPr lang="en-US" smtClean="0"/>
-              <a:t>5/19/2025</a:t>
+              <a:t>5/24/2025</a:t>
             </a:fld>
             <a:endParaRPr lang="en-US"/>
           </a:p>
@@ -1063,7 +1063,7 @@
           <a:p>
             <a:fld id="{A6E23FE4-E4CE-4C11-A4DD-B8B389B3DC1D}" type="slidenum">
               <a:rPr lang="en-US" smtClean="0"/>
-              <a:t>‹#›</a:t>
+              <a:t>‹Nr.›</a:t>
             </a:fld>
             <a:endParaRPr lang="en-US"/>
           </a:p>
@@ -1253,7 +1253,7 @@
           <a:p>
             <a:fld id="{CE335E54-2A4B-4CD0-9488-F8D5DEC3B8E4}" type="datetimeFigureOut">
               <a:rPr lang="en-US" smtClean="0"/>
-              <a:t>5/19/2025</a:t>
+              <a:t>5/24/2025</a:t>
             </a:fld>
             <a:endParaRPr lang="en-US"/>
           </a:p>
@@ -1295,7 +1295,7 @@
           <a:p>
             <a:fld id="{A6E23FE4-E4CE-4C11-A4DD-B8B389B3DC1D}" type="slidenum">
               <a:rPr lang="en-US" smtClean="0"/>
-              <a:t>‹#›</a:t>
+              <a:t>‹Nr.›</a:t>
             </a:fld>
             <a:endParaRPr lang="en-US"/>
           </a:p>
@@ -1620,7 +1620,7 @@
           <a:p>
             <a:fld id="{CE335E54-2A4B-4CD0-9488-F8D5DEC3B8E4}" type="datetimeFigureOut">
               <a:rPr lang="en-US" smtClean="0"/>
-              <a:t>5/19/2025</a:t>
+              <a:t>5/24/2025</a:t>
             </a:fld>
             <a:endParaRPr lang="en-US"/>
           </a:p>
@@ -1662,7 +1662,7 @@
           <a:p>
             <a:fld id="{A6E23FE4-E4CE-4C11-A4DD-B8B389B3DC1D}" type="slidenum">
               <a:rPr lang="en-US" smtClean="0"/>
-              <a:t>‹#›</a:t>
+              <a:t>‹Nr.›</a:t>
             </a:fld>
             <a:endParaRPr lang="en-US"/>
           </a:p>
@@ -1738,7 +1738,7 @@
           <a:p>
             <a:fld id="{CE335E54-2A4B-4CD0-9488-F8D5DEC3B8E4}" type="datetimeFigureOut">
               <a:rPr lang="en-US" smtClean="0"/>
-              <a:t>5/19/2025</a:t>
+              <a:t>5/24/2025</a:t>
             </a:fld>
             <a:endParaRPr lang="en-US"/>
           </a:p>
@@ -1780,7 +1780,7 @@
           <a:p>
             <a:fld id="{A6E23FE4-E4CE-4C11-A4DD-B8B389B3DC1D}" type="slidenum">
               <a:rPr lang="en-US" smtClean="0"/>
-              <a:t>‹#›</a:t>
+              <a:t>‹Nr.›</a:t>
             </a:fld>
             <a:endParaRPr lang="en-US"/>
           </a:p>
@@ -1833,7 +1833,7 @@
           <a:p>
             <a:fld id="{CE335E54-2A4B-4CD0-9488-F8D5DEC3B8E4}" type="datetimeFigureOut">
               <a:rPr lang="en-US" smtClean="0"/>
-              <a:t>5/19/2025</a:t>
+              <a:t>5/24/2025</a:t>
             </a:fld>
             <a:endParaRPr lang="en-US"/>
           </a:p>
@@ -1875,7 +1875,7 @@
           <a:p>
             <a:fld id="{A6E23FE4-E4CE-4C11-A4DD-B8B389B3DC1D}" type="slidenum">
               <a:rPr lang="en-US" smtClean="0"/>
-              <a:t>‹#›</a:t>
+              <a:t>‹Nr.›</a:t>
             </a:fld>
             <a:endParaRPr lang="en-US"/>
           </a:p>
@@ -2110,7 +2110,7 @@
           <a:p>
             <a:fld id="{CE335E54-2A4B-4CD0-9488-F8D5DEC3B8E4}" type="datetimeFigureOut">
               <a:rPr lang="en-US" smtClean="0"/>
-              <a:t>5/19/2025</a:t>
+              <a:t>5/24/2025</a:t>
             </a:fld>
             <a:endParaRPr lang="en-US"/>
           </a:p>
@@ -2152,7 +2152,7 @@
           <a:p>
             <a:fld id="{A6E23FE4-E4CE-4C11-A4DD-B8B389B3DC1D}" type="slidenum">
               <a:rPr lang="en-US" smtClean="0"/>
-              <a:t>‹#›</a:t>
+              <a:t>‹Nr.›</a:t>
             </a:fld>
             <a:endParaRPr lang="en-US"/>
           </a:p>
@@ -2367,7 +2367,7 @@
           <a:p>
             <a:fld id="{CE335E54-2A4B-4CD0-9488-F8D5DEC3B8E4}" type="datetimeFigureOut">
               <a:rPr lang="en-US" smtClean="0"/>
-              <a:t>5/19/2025</a:t>
+              <a:t>5/24/2025</a:t>
             </a:fld>
             <a:endParaRPr lang="en-US"/>
           </a:p>
@@ -2409,7 +2409,7 @@
           <a:p>
             <a:fld id="{A6E23FE4-E4CE-4C11-A4DD-B8B389B3DC1D}" type="slidenum">
               <a:rPr lang="en-US" smtClean="0"/>
-              <a:t>‹#›</a:t>
+              <a:t>‹Nr.›</a:t>
             </a:fld>
             <a:endParaRPr lang="en-US"/>
           </a:p>
@@ -2580,7 +2580,7 @@
           <a:p>
             <a:fld id="{CE335E54-2A4B-4CD0-9488-F8D5DEC3B8E4}" type="datetimeFigureOut">
               <a:rPr lang="en-US" smtClean="0"/>
-              <a:t>5/19/2025</a:t>
+              <a:t>5/24/2025</a:t>
             </a:fld>
             <a:endParaRPr lang="en-US"/>
           </a:p>
@@ -2658,7 +2658,7 @@
           <a:p>
             <a:fld id="{A6E23FE4-E4CE-4C11-A4DD-B8B389B3DC1D}" type="slidenum">
               <a:rPr lang="en-US" smtClean="0"/>
-              <a:t>‹#›</a:t>
+              <a:t>‹Nr.›</a:t>
             </a:fld>
             <a:endParaRPr lang="en-US"/>
           </a:p>
@@ -3247,8 +3247,8 @@
           </a:p>
         </p:txBody>
       </p:sp>
-      <mc:AlternateContent xmlns:mc="http://schemas.openxmlformats.org/markup-compatibility/2006">
-        <mc:Choice xmlns:a14="http://schemas.microsoft.com/office/drawing/2010/main" Requires="a14">
+      <mc:AlternateContent xmlns:mc="http://schemas.openxmlformats.org/markup-compatibility/2006" xmlns:a14="http://schemas.microsoft.com/office/drawing/2010/main">
+        <mc:Choice Requires="a14">
           <p:sp>
             <p:nvSpPr>
               <p:cNvPr id="14" name="TextBox 13">
@@ -3921,18 +3921,26 @@
                 </a:pPr>
                 <a:r>
                   <a:rPr lang="en-US" sz="1200" dirty="0"/>
-                  <a:t>Determine voxel </a:t>
-                </a:r>
-                <a:r>
-                  <a:rPr lang="en-US" sz="1200" dirty="0" err="1"/>
-                  <a:t>lenght</a:t>
+                  <a:t>Determine voxel length</a:t>
                 </a:r>
                 <a:br>
                   <a:rPr lang="en-US" sz="1000" dirty="0"/>
                 </a:br>
                 <a:r>
                   <a:rPr lang="en-US" sz="1000" dirty="0"/>
-                  <a:t>Smaller voxels provide higher fidelity but require longer simulations for converged results. 0.5Å is recommended.</a:t>
+                  <a:t>Smaller voxels provide higher fidelity but require longer simulations for converged results. 0.5</a:t>
+                </a:r>
+                <a:r>
+                  <a:rPr lang="en-150" sz="1000"/>
+                  <a:t> </a:t>
+                </a:r>
+                <a:r>
+                  <a:rPr lang="en-US" sz="1000"/>
+                  <a:t>Å </a:t>
+                </a:r>
+                <a:r>
+                  <a:rPr lang="en-US" sz="1000" dirty="0"/>
+                  <a:t>is recommended.</a:t>
                 </a:r>
                 <a:endParaRPr lang="en-US" sz="1200" dirty="0"/>
               </a:p>
@@ -3954,11 +3962,15 @@
                 </a:r>
                 <a:r>
                   <a:rPr lang="en-US" sz="1000" dirty="0" err="1"/>
-                  <a:t>cartesion</a:t>
+                  <a:t>cartesi</a:t>
+                </a:r>
+                <a:r>
+                  <a:rPr lang="en-150" sz="1000" dirty="0"/>
+                  <a:t>a</a:t>
                 </a:r>
                 <a:r>
                   <a:rPr lang="en-US" sz="1000" dirty="0"/>
-                  <a:t> direction, the number of voxels necessary is the length of the region of interest divided by the voxel side length.</a:t>
+                  <a:t>n direction, the number of voxels necessary is the length of the region of interest divided by the voxel side length.</a:t>
                 </a:r>
               </a:p>
               <a:p>
@@ -3986,7 +3998,7 @@
             </p:txBody>
           </p:sp>
         </mc:Choice>
-        <mc:Fallback>
+        <mc:Fallback xmlns="">
           <p:sp>
             <p:nvSpPr>
               <p:cNvPr id="14" name="TextBox 13">
@@ -4024,7 +4036,7 @@
               <a:lstStyle/>
               <a:p>
                 <a:r>
-                  <a:rPr lang="en-US">
+                  <a:rPr lang="de-AT">
                     <a:noFill/>
                   </a:rPr>
                   <a:t> </a:t>
@@ -4318,8 +4330,8 @@
           </a:p>
         </p:txBody>
       </p:sp>
-      <mc:AlternateContent xmlns:mc="http://schemas.openxmlformats.org/markup-compatibility/2006">
-        <mc:Choice xmlns:a14="http://schemas.microsoft.com/office/drawing/2010/main" Requires="a14">
+      <mc:AlternateContent xmlns:mc="http://schemas.openxmlformats.org/markup-compatibility/2006" xmlns:a14="http://schemas.microsoft.com/office/drawing/2010/main">
+        <mc:Choice Requires="a14">
           <p:sp>
             <p:nvSpPr>
               <p:cNvPr id="24" name="Rectangle: Rounded Corners 23">
@@ -4437,7 +4449,7 @@
             </p:txBody>
           </p:sp>
         </mc:Choice>
-        <mc:Fallback>
+        <mc:Fallback xmlns="">
           <p:sp>
             <p:nvSpPr>
               <p:cNvPr id="24" name="Rectangle: Rounded Corners 23">
@@ -4863,8 +4875,8 @@
           </a:p>
         </p:txBody>
       </p:sp>
-      <mc:AlternateContent xmlns:mc="http://schemas.openxmlformats.org/markup-compatibility/2006">
-        <mc:Choice xmlns:a14="http://schemas.microsoft.com/office/drawing/2010/main" Requires="a14">
+      <mc:AlternateContent xmlns:mc="http://schemas.openxmlformats.org/markup-compatibility/2006" xmlns:a14="http://schemas.microsoft.com/office/drawing/2010/main">
+        <mc:Choice Requires="a14">
           <p:sp>
             <p:nvSpPr>
               <p:cNvPr id="36" name="Rectangle: Rounded Corners 35">
@@ -4970,7 +4982,7 @@
             </p:txBody>
           </p:sp>
         </mc:Choice>
-        <mc:Fallback>
+        <mc:Fallback xmlns="">
           <p:sp>
             <p:nvSpPr>
               <p:cNvPr id="36" name="Rectangle: Rounded Corners 35">
@@ -5338,8 +5350,8 @@
           </a:p>
         </p:txBody>
       </p:sp>
-      <mc:AlternateContent xmlns:mc="http://schemas.openxmlformats.org/markup-compatibility/2006">
-        <mc:Choice xmlns:a14="http://schemas.microsoft.com/office/drawing/2010/main" Requires="a14">
+      <mc:AlternateContent xmlns:mc="http://schemas.openxmlformats.org/markup-compatibility/2006" xmlns:a14="http://schemas.microsoft.com/office/drawing/2010/main">
+        <mc:Choice Requires="a14">
           <p:sp>
             <p:nvSpPr>
               <p:cNvPr id="45" name="Parallelogram 44">
@@ -5446,7 +5458,7 @@
             </p:txBody>
           </p:sp>
         </mc:Choice>
-        <mc:Fallback>
+        <mc:Fallback xmlns="">
           <p:sp>
             <p:nvSpPr>
               <p:cNvPr id="45" name="Parallelogram 44">
@@ -5496,8 +5508,8 @@
           </p:sp>
         </mc:Fallback>
       </mc:AlternateContent>
-      <mc:AlternateContent xmlns:mc="http://schemas.openxmlformats.org/markup-compatibility/2006">
-        <mc:Choice xmlns:a14="http://schemas.microsoft.com/office/drawing/2010/main" Requires="a14">
+      <mc:AlternateContent xmlns:mc="http://schemas.openxmlformats.org/markup-compatibility/2006" xmlns:a14="http://schemas.microsoft.com/office/drawing/2010/main">
+        <mc:Choice Requires="a14">
           <p:sp>
             <p:nvSpPr>
               <p:cNvPr id="46" name="Parallelogram 45">
@@ -5584,7 +5596,7 @@
             </p:txBody>
           </p:sp>
         </mc:Choice>
-        <mc:Fallback>
+        <mc:Fallback xmlns="">
           <p:sp>
             <p:nvSpPr>
               <p:cNvPr id="46" name="Parallelogram 45">
@@ -6642,8 +6654,8 @@
           <a:chExt cx="0" cy="0"/>
         </a:xfrm>
       </p:grpSpPr>
-      <mc:AlternateContent xmlns:mc="http://schemas.openxmlformats.org/markup-compatibility/2006">
-        <mc:Choice xmlns:a14="http://schemas.microsoft.com/office/drawing/2010/main" Requires="a14">
+      <mc:AlternateContent xmlns:mc="http://schemas.openxmlformats.org/markup-compatibility/2006" xmlns:a14="http://schemas.microsoft.com/office/drawing/2010/main">
+        <mc:Choice Requires="a14">
           <p:sp>
             <p:nvSpPr>
               <p:cNvPr id="22" name="TextBox 21">
@@ -7632,7 +7644,7 @@
             </p:txBody>
           </p:sp>
         </mc:Choice>
-        <mc:Fallback>
+        <mc:Fallback xmlns="">
           <p:sp>
             <p:nvSpPr>
               <p:cNvPr id="22" name="TextBox 21">
@@ -7891,8 +7903,8 @@
           </a:p>
         </p:txBody>
       </p:sp>
-      <mc:AlternateContent xmlns:mc="http://schemas.openxmlformats.org/markup-compatibility/2006">
-        <mc:Choice xmlns:a14="http://schemas.microsoft.com/office/drawing/2010/main" Requires="a14">
+      <mc:AlternateContent xmlns:mc="http://schemas.openxmlformats.org/markup-compatibility/2006" xmlns:a14="http://schemas.microsoft.com/office/drawing/2010/main">
+        <mc:Choice Requires="a14">
           <p:sp>
             <p:nvSpPr>
               <p:cNvPr id="8" name="Rectangle: Rounded Corners 7">
@@ -8087,10 +8099,10 @@
                       </m:sSubPr>
                       <m:e>
                         <m:r>
-                          <a:rPr lang="de-AT" sz="1000" b="0" i="1" smtClean="0">
+                          <a:rPr lang="en-150" sz="1000" b="0" i="1" smtClean="0">
                             <a:latin typeface="Cambria Math" panose="02040503050406030204" pitchFamily="18" charset="0"/>
                           </a:rPr>
-                          <m:t>𝐺</m:t>
+                          <m:t>𝐴</m:t>
                         </m:r>
                       </m:e>
                       <m:sub>
@@ -8109,7 +8121,7 @@
             </p:txBody>
           </p:sp>
         </mc:Choice>
-        <mc:Fallback>
+        <mc:Fallback xmlns="">
           <p:sp>
             <p:nvSpPr>
               <p:cNvPr id="8" name="Rectangle: Rounded Corners 7">
@@ -8144,7 +8156,7 @@
               <a:lstStyle/>
               <a:p>
                 <a:r>
-                  <a:rPr lang="en-US">
+                  <a:rPr lang="de-AT">
                     <a:noFill/>
                   </a:rPr>
                   <a:t> </a:t>
@@ -8154,8 +8166,8 @@
           </p:sp>
         </mc:Fallback>
       </mc:AlternateContent>
-      <mc:AlternateContent xmlns:mc="http://schemas.openxmlformats.org/markup-compatibility/2006">
-        <mc:Choice xmlns:a14="http://schemas.microsoft.com/office/drawing/2010/main" Requires="a14">
+      <mc:AlternateContent xmlns:mc="http://schemas.openxmlformats.org/markup-compatibility/2006" xmlns:a14="http://schemas.microsoft.com/office/drawing/2010/main">
+        <mc:Choice Requires="a14">
           <p:sp>
             <p:nvSpPr>
               <p:cNvPr id="11" name="Parallelogram 10">
@@ -8259,7 +8271,7 @@
             </p:txBody>
           </p:sp>
         </mc:Choice>
-        <mc:Fallback>
+        <mc:Fallback xmlns="">
           <p:sp>
             <p:nvSpPr>
               <p:cNvPr id="11" name="Parallelogram 10">
@@ -8682,6 +8694,10 @@
                   <a:rPr lang="de-AT" sz="800" dirty="0" err="1"/>
                   <a:t>size</a:t>
                 </a:r>
+                <a:r>
+                  <a:rPr lang="en-150" sz="800" dirty="0"/>
+                  <a:t> 	or sampling</a:t>
+                </a:r>
                 <a:endParaRPr lang="en-US" sz="800" dirty="0"/>
               </a:p>
             </p:txBody>
@@ -8722,7 +8738,7 @@
               <a:lstStyle/>
               <a:p>
                 <a:r>
-                  <a:rPr lang="en-US">
+                  <a:rPr lang="de-AT">
                     <a:noFill/>
                   </a:rPr>
                   <a:t> </a:t>
